--- a/trunk/Fading.pptx
+++ b/trunk/Fading.pptx
@@ -5,12 +5,13 @@
     <p:sldMasterId id="2147483648" r:id="rId1"/>
   </p:sldMasterIdLst>
   <p:notesMasterIdLst>
-    <p:notesMasterId r:id="rId5"/>
+    <p:notesMasterId r:id="rId6"/>
   </p:notesMasterIdLst>
   <p:sldIdLst>
     <p:sldId id="256" r:id="rId2"/>
     <p:sldId id="257" r:id="rId3"/>
     <p:sldId id="258" r:id="rId4"/>
+    <p:sldId id="259" r:id="rId5"/>
   </p:sldIdLst>
   <p:sldSz cx="9144000" cy="6858000" type="screen4x3"/>
   <p:notesSz cx="6858000" cy="9144000"/>
@@ -194,7 +195,8 @@
           <a:p>
             <a:fld id="{658B7712-D5EF-4FE2-97E8-FE8DA490C51D}" type="datetimeFigureOut">
               <a:rPr lang="en-US" smtClean="0"/>
-              <a:t>4/27/2008</a:t>
+              <a:pPr/>
+              <a:t>4/28/2008</a:t>
             </a:fld>
             <a:endParaRPr lang="en-US"/>
           </a:p>
@@ -355,6 +357,7 @@
           <a:p>
             <a:fld id="{27DEC26B-7605-459D-B7EC-FF3FFE0E89BD}" type="slidenum">
               <a:rPr lang="en-US" smtClean="0"/>
+              <a:pPr/>
               <a:t>‹#›</a:t>
             </a:fld>
             <a:endParaRPr lang="en-US"/>
@@ -505,10 +508,29 @@
           </a:bodyPr>
           <a:lstStyle/>
           <a:p>
-            <a:r>
-              <a:rPr lang="en-US" dirty="0" smtClean="0"/>
-              <a:t>Multi-path effect means that a signal transmitted from a transmitter may have multiple copies traversing different paths to reach a receiver. Thus, at the receiver, the received signal should be the sum of all these multi-path signals. Because the paths traversed by these signals are different; some are longer and some are shorter. The one at the direction of light of signal (LOS) should be the shortest. These signals interact with each other. If signals are in phase, they would intensify the resultant signal; otherwise, the resultant signal is weakened due to out of phase. This phenomenon is called channel fading. In general, there are two criteria to measure channel fading, including (1) Doppler spread, and (2) delay spread. </a:t>
-            </a:r>
+            <a:pPr marL="0" marR="0" lvl="1" indent="0" algn="l" defTabSz="914400" rtl="0" eaLnBrk="1" fontAlgn="auto" latinLnBrk="0" hangingPunct="1">
+              <a:lnSpc>
+                <a:spcPct val="100000"/>
+              </a:lnSpc>
+              <a:spcBef>
+                <a:spcPts val="0"/>
+              </a:spcBef>
+              <a:spcAft>
+                <a:spcPts val="0"/>
+              </a:spcAft>
+              <a:buClrTx/>
+              <a:buSzTx/>
+              <a:buFontTx/>
+              <a:buNone/>
+              <a:tabLst/>
+              <a:defRPr/>
+            </a:pPr>
+            <a:r>
+              <a:rPr lang="en-US" i="1" dirty="0" smtClean="0"/>
+              <a:t>It refers to the distortion that a carrier-modulated telecommunication signal experiences over certain propagation media. </a:t>
+            </a:r>
+          </a:p>
+          <a:p>
             <a:endParaRPr lang="en-US" dirty="0"/>
           </a:p>
         </p:txBody>
@@ -530,7 +552,97 @@
           <a:p>
             <a:fld id="{27DEC26B-7605-459D-B7EC-FF3FFE0E89BD}" type="slidenum">
               <a:rPr lang="en-US" smtClean="0"/>
+              <a:pPr/>
               <a:t>3</a:t>
+            </a:fld>
+            <a:endParaRPr lang="en-US"/>
+          </a:p>
+        </p:txBody>
+      </p:sp>
+    </p:spTree>
+  </p:cSld>
+  <p:clrMapOvr>
+    <a:masterClrMapping/>
+  </p:clrMapOvr>
+</p:notes>
+</file>
+
+<file path=ppt/notesSlides/notesSlide2.xml><?xml version="1.0" encoding="utf-8"?>
+<p:notes xmlns:a="http://schemas.openxmlformats.org/drawingml/2006/main" xmlns:r="http://schemas.openxmlformats.org/officeDocument/2006/relationships" xmlns:p="http://schemas.openxmlformats.org/presentationml/2006/main">
+  <p:cSld>
+    <p:spTree>
+      <p:nvGrpSpPr>
+        <p:cNvPr id="1" name=""/>
+        <p:cNvGrpSpPr/>
+        <p:nvPr/>
+      </p:nvGrpSpPr>
+      <p:grpSpPr>
+        <a:xfrm>
+          <a:off x="0" y="0"/>
+          <a:ext cx="0" cy="0"/>
+          <a:chOff x="0" y="0"/>
+          <a:chExt cx="0" cy="0"/>
+        </a:xfrm>
+      </p:grpSpPr>
+      <p:sp>
+        <p:nvSpPr>
+          <p:cNvPr id="2" name="Slide Image Placeholder 1"/>
+          <p:cNvSpPr>
+            <a:spLocks noGrp="1" noRot="1" noChangeAspect="1"/>
+          </p:cNvSpPr>
+          <p:nvPr>
+            <p:ph type="sldImg"/>
+          </p:nvPr>
+        </p:nvSpPr>
+        <p:spPr/>
+      </p:sp>
+      <p:sp>
+        <p:nvSpPr>
+          <p:cNvPr id="3" name="Notes Placeholder 2"/>
+          <p:cNvSpPr>
+            <a:spLocks noGrp="1"/>
+          </p:cNvSpPr>
+          <p:nvPr>
+            <p:ph type="body" idx="1"/>
+          </p:nvPr>
+        </p:nvSpPr>
+        <p:spPr/>
+        <p:txBody>
+          <a:bodyPr>
+            <a:normAutofit/>
+          </a:bodyPr>
+          <a:lstStyle/>
+          <a:p>
+            <a:endParaRPr lang="en-US" dirty="0" smtClean="0"/>
+          </a:p>
+          <a:p>
+            <a:r>
+              <a:rPr lang="en-US" smtClean="0"/>
+              <a:t>In wireless communications, signal fading is caused by multi-path effect.</a:t>
+            </a:r>
+            <a:endParaRPr lang="en-US"/>
+          </a:p>
+        </p:txBody>
+      </p:sp>
+      <p:sp>
+        <p:nvSpPr>
+          <p:cNvPr id="4" name="Slide Number Placeholder 3"/>
+          <p:cNvSpPr>
+            <a:spLocks noGrp="1"/>
+          </p:cNvSpPr>
+          <p:nvPr>
+            <p:ph type="sldNum" sz="quarter" idx="10"/>
+          </p:nvPr>
+        </p:nvSpPr>
+        <p:spPr/>
+        <p:txBody>
+          <a:bodyPr/>
+          <a:lstStyle/>
+          <a:p>
+            <a:fld id="{27DEC26B-7605-459D-B7EC-FF3FFE0E89BD}" type="slidenum">
+              <a:rPr lang="en-US" smtClean="0"/>
+              <a:pPr/>
+              <a:t>4</a:t>
             </a:fld>
             <a:endParaRPr lang="en-US"/>
           </a:p>
@@ -725,7 +837,8 @@
           <a:p>
             <a:fld id="{355864C1-6463-43ED-86D4-9CAB9E3703F1}" type="datetimeFigureOut">
               <a:rPr lang="en-US" smtClean="0"/>
-              <a:t>4/27/2008</a:t>
+              <a:pPr/>
+              <a:t>4/28/2008</a:t>
             </a:fld>
             <a:endParaRPr lang="en-US"/>
           </a:p>
@@ -767,6 +880,7 @@
           <a:p>
             <a:fld id="{FC7D8725-0E88-4DA9-B153-CFCEFBAA0DC4}" type="slidenum">
               <a:rPr lang="en-US" smtClean="0"/>
+              <a:pPr/>
               <a:t>‹#›</a:t>
             </a:fld>
             <a:endParaRPr lang="en-US"/>
@@ -890,7 +1004,8 @@
           <a:p>
             <a:fld id="{355864C1-6463-43ED-86D4-9CAB9E3703F1}" type="datetimeFigureOut">
               <a:rPr lang="en-US" smtClean="0"/>
-              <a:t>4/27/2008</a:t>
+              <a:pPr/>
+              <a:t>4/28/2008</a:t>
             </a:fld>
             <a:endParaRPr lang="en-US"/>
           </a:p>
@@ -932,6 +1047,7 @@
           <a:p>
             <a:fld id="{FC7D8725-0E88-4DA9-B153-CFCEFBAA0DC4}" type="slidenum">
               <a:rPr lang="en-US" smtClean="0"/>
+              <a:pPr/>
               <a:t>‹#›</a:t>
             </a:fld>
             <a:endParaRPr lang="en-US"/>
@@ -1065,7 +1181,8 @@
           <a:p>
             <a:fld id="{355864C1-6463-43ED-86D4-9CAB9E3703F1}" type="datetimeFigureOut">
               <a:rPr lang="en-US" smtClean="0"/>
-              <a:t>4/27/2008</a:t>
+              <a:pPr/>
+              <a:t>4/28/2008</a:t>
             </a:fld>
             <a:endParaRPr lang="en-US"/>
           </a:p>
@@ -1107,6 +1224,7 @@
           <a:p>
             <a:fld id="{FC7D8725-0E88-4DA9-B153-CFCEFBAA0DC4}" type="slidenum">
               <a:rPr lang="en-US" smtClean="0"/>
+              <a:pPr/>
               <a:t>‹#›</a:t>
             </a:fld>
             <a:endParaRPr lang="en-US"/>
@@ -1230,7 +1348,8 @@
           <a:p>
             <a:fld id="{355864C1-6463-43ED-86D4-9CAB9E3703F1}" type="datetimeFigureOut">
               <a:rPr lang="en-US" smtClean="0"/>
-              <a:t>4/27/2008</a:t>
+              <a:pPr/>
+              <a:t>4/28/2008</a:t>
             </a:fld>
             <a:endParaRPr lang="en-US"/>
           </a:p>
@@ -1272,6 +1391,7 @@
           <a:p>
             <a:fld id="{FC7D8725-0E88-4DA9-B153-CFCEFBAA0DC4}" type="slidenum">
               <a:rPr lang="en-US" smtClean="0"/>
+              <a:pPr/>
               <a:t>‹#›</a:t>
             </a:fld>
             <a:endParaRPr lang="en-US"/>
@@ -1471,7 +1591,8 @@
           <a:p>
             <a:fld id="{355864C1-6463-43ED-86D4-9CAB9E3703F1}" type="datetimeFigureOut">
               <a:rPr lang="en-US" smtClean="0"/>
-              <a:t>4/27/2008</a:t>
+              <a:pPr/>
+              <a:t>4/28/2008</a:t>
             </a:fld>
             <a:endParaRPr lang="en-US"/>
           </a:p>
@@ -1513,6 +1634,7 @@
           <a:p>
             <a:fld id="{FC7D8725-0E88-4DA9-B153-CFCEFBAA0DC4}" type="slidenum">
               <a:rPr lang="en-US" smtClean="0"/>
+              <a:pPr/>
               <a:t>‹#›</a:t>
             </a:fld>
             <a:endParaRPr lang="en-US"/>
@@ -1754,7 +1876,8 @@
           <a:p>
             <a:fld id="{355864C1-6463-43ED-86D4-9CAB9E3703F1}" type="datetimeFigureOut">
               <a:rPr lang="en-US" smtClean="0"/>
-              <a:t>4/27/2008</a:t>
+              <a:pPr/>
+              <a:t>4/28/2008</a:t>
             </a:fld>
             <a:endParaRPr lang="en-US"/>
           </a:p>
@@ -1796,6 +1919,7 @@
           <a:p>
             <a:fld id="{FC7D8725-0E88-4DA9-B153-CFCEFBAA0DC4}" type="slidenum">
               <a:rPr lang="en-US" smtClean="0"/>
+              <a:pPr/>
               <a:t>‹#›</a:t>
             </a:fld>
             <a:endParaRPr lang="en-US"/>
@@ -2171,7 +2295,8 @@
           <a:p>
             <a:fld id="{355864C1-6463-43ED-86D4-9CAB9E3703F1}" type="datetimeFigureOut">
               <a:rPr lang="en-US" smtClean="0"/>
-              <a:t>4/27/2008</a:t>
+              <a:pPr/>
+              <a:t>4/28/2008</a:t>
             </a:fld>
             <a:endParaRPr lang="en-US"/>
           </a:p>
@@ -2213,6 +2338,7 @@
           <a:p>
             <a:fld id="{FC7D8725-0E88-4DA9-B153-CFCEFBAA0DC4}" type="slidenum">
               <a:rPr lang="en-US" smtClean="0"/>
+              <a:pPr/>
               <a:t>‹#›</a:t>
             </a:fld>
             <a:endParaRPr lang="en-US"/>
@@ -2284,7 +2410,8 @@
           <a:p>
             <a:fld id="{355864C1-6463-43ED-86D4-9CAB9E3703F1}" type="datetimeFigureOut">
               <a:rPr lang="en-US" smtClean="0"/>
-              <a:t>4/27/2008</a:t>
+              <a:pPr/>
+              <a:t>4/28/2008</a:t>
             </a:fld>
             <a:endParaRPr lang="en-US"/>
           </a:p>
@@ -2326,6 +2453,7 @@
           <a:p>
             <a:fld id="{FC7D8725-0E88-4DA9-B153-CFCEFBAA0DC4}" type="slidenum">
               <a:rPr lang="en-US" smtClean="0"/>
+              <a:pPr/>
               <a:t>‹#›</a:t>
             </a:fld>
             <a:endParaRPr lang="en-US"/>
@@ -2374,7 +2502,8 @@
           <a:p>
             <a:fld id="{355864C1-6463-43ED-86D4-9CAB9E3703F1}" type="datetimeFigureOut">
               <a:rPr lang="en-US" smtClean="0"/>
-              <a:t>4/27/2008</a:t>
+              <a:pPr/>
+              <a:t>4/28/2008</a:t>
             </a:fld>
             <a:endParaRPr lang="en-US"/>
           </a:p>
@@ -2416,6 +2545,7 @@
           <a:p>
             <a:fld id="{FC7D8725-0E88-4DA9-B153-CFCEFBAA0DC4}" type="slidenum">
               <a:rPr lang="en-US" smtClean="0"/>
+              <a:pPr/>
               <a:t>‹#›</a:t>
             </a:fld>
             <a:endParaRPr lang="en-US"/>
@@ -2646,7 +2776,8 @@
           <a:p>
             <a:fld id="{355864C1-6463-43ED-86D4-9CAB9E3703F1}" type="datetimeFigureOut">
               <a:rPr lang="en-US" smtClean="0"/>
-              <a:t>4/27/2008</a:t>
+              <a:pPr/>
+              <a:t>4/28/2008</a:t>
             </a:fld>
             <a:endParaRPr lang="en-US"/>
           </a:p>
@@ -2688,6 +2819,7 @@
           <a:p>
             <a:fld id="{FC7D8725-0E88-4DA9-B153-CFCEFBAA0DC4}" type="slidenum">
               <a:rPr lang="en-US" smtClean="0"/>
+              <a:pPr/>
               <a:t>‹#›</a:t>
             </a:fld>
             <a:endParaRPr lang="en-US"/>
@@ -2894,7 +3026,8 @@
           <a:p>
             <a:fld id="{355864C1-6463-43ED-86D4-9CAB9E3703F1}" type="datetimeFigureOut">
               <a:rPr lang="en-US" smtClean="0"/>
-              <a:t>4/27/2008</a:t>
+              <a:pPr/>
+              <a:t>4/28/2008</a:t>
             </a:fld>
             <a:endParaRPr lang="en-US"/>
           </a:p>
@@ -2936,6 +3069,7 @@
           <a:p>
             <a:fld id="{FC7D8725-0E88-4DA9-B153-CFCEFBAA0DC4}" type="slidenum">
               <a:rPr lang="en-US" smtClean="0"/>
+              <a:pPr/>
               <a:t>‹#›</a:t>
             </a:fld>
             <a:endParaRPr lang="en-US"/>
@@ -3102,7 +3236,8 @@
           <a:p>
             <a:fld id="{355864C1-6463-43ED-86D4-9CAB9E3703F1}" type="datetimeFigureOut">
               <a:rPr lang="en-US" smtClean="0"/>
-              <a:t>4/27/2008</a:t>
+              <a:pPr/>
+              <a:t>4/28/2008</a:t>
             </a:fld>
             <a:endParaRPr lang="en-US"/>
           </a:p>
@@ -3180,6 +3315,7 @@
           <a:p>
             <a:fld id="{FC7D8725-0E88-4DA9-B153-CFCEFBAA0DC4}" type="slidenum">
               <a:rPr lang="en-US" smtClean="0"/>
+              <a:pPr/>
               <a:t>‹#›</a:t>
             </a:fld>
             <a:endParaRPr lang="en-US"/>
@@ -3527,6 +3663,13 @@
   <p:clrMapOvr>
     <a:masterClrMapping/>
   </p:clrMapOvr>
+  <p:timing>
+    <p:tnLst>
+      <p:par>
+        <p:cTn id="1" dur="indefinite" restart="never" nodeType="tmRoot"/>
+      </p:par>
+    </p:tnLst>
+  </p:timing>
 </p:sld>
 </file>
 
@@ -3625,6 +3768,13 @@
   <p:clrMapOvr>
     <a:masterClrMapping/>
   </p:clrMapOvr>
+  <p:timing>
+    <p:tnLst>
+      <p:par>
+        <p:cTn id="1" dur="indefinite" restart="never" nodeType="tmRoot"/>
+      </p:par>
+    </p:tnLst>
+  </p:timing>
 </p:sld>
 </file>
 
@@ -3703,15 +3853,6 @@
             </a:pPr>
             <a:r>
               <a:rPr lang="en-US" i="1" dirty="0" smtClean="0"/>
-              <a:t>It refers to the distortion that a carrier-modulated telecommunication signal experiences over certain propagation media. </a:t>
-            </a:r>
-          </a:p>
-          <a:p>
-            <a:pPr lvl="1">
-              <a:buNone/>
-            </a:pPr>
-            <a:r>
-              <a:rPr lang="en-US" i="1" dirty="0" smtClean="0"/>
               <a:t>A </a:t>
             </a:r>
             <a:r>
@@ -3731,6 +3872,121 @@
   <p:clrMapOvr>
     <a:masterClrMapping/>
   </p:clrMapOvr>
+  <p:timing>
+    <p:tnLst>
+      <p:par>
+        <p:cTn id="1" dur="indefinite" restart="never" nodeType="tmRoot"/>
+      </p:par>
+    </p:tnLst>
+  </p:timing>
+</p:sld>
+</file>
+
+<file path=ppt/slides/slide4.xml><?xml version="1.0" encoding="utf-8"?>
+<p:sld xmlns:a="http://schemas.openxmlformats.org/drawingml/2006/main" xmlns:r="http://schemas.openxmlformats.org/officeDocument/2006/relationships" xmlns:p="http://schemas.openxmlformats.org/presentationml/2006/main">
+  <p:cSld>
+    <p:spTree>
+      <p:nvGrpSpPr>
+        <p:cNvPr id="1" name=""/>
+        <p:cNvGrpSpPr/>
+        <p:nvPr/>
+      </p:nvGrpSpPr>
+      <p:grpSpPr>
+        <a:xfrm>
+          <a:off x="0" y="0"/>
+          <a:ext cx="0" cy="0"/>
+          <a:chOff x="0" y="0"/>
+          <a:chExt cx="0" cy="0"/>
+        </a:xfrm>
+      </p:grpSpPr>
+      <p:sp>
+        <p:nvSpPr>
+          <p:cNvPr id="2" name="Title 1"/>
+          <p:cNvSpPr>
+            <a:spLocks noGrp="1"/>
+          </p:cNvSpPr>
+          <p:nvPr>
+            <p:ph type="title"/>
+          </p:nvPr>
+        </p:nvSpPr>
+        <p:spPr/>
+        <p:txBody>
+          <a:bodyPr/>
+          <a:lstStyle/>
+          <a:p>
+            <a:r>
+              <a:rPr lang="en-GB" dirty="0" smtClean="0"/>
+              <a:t>Cause of Fading</a:t>
+            </a:r>
+            <a:endParaRPr lang="en-US" dirty="0"/>
+          </a:p>
+        </p:txBody>
+      </p:sp>
+      <p:sp>
+        <p:nvSpPr>
+          <p:cNvPr id="4" name="Content Placeholder 3"/>
+          <p:cNvSpPr>
+            <a:spLocks noGrp="1"/>
+          </p:cNvSpPr>
+          <p:nvPr>
+            <p:ph idx="1"/>
+          </p:nvPr>
+        </p:nvSpPr>
+        <p:spPr/>
+        <p:txBody>
+          <a:bodyPr/>
+          <a:lstStyle/>
+          <a:p>
+            <a:r>
+              <a:rPr lang="en-US" dirty="0" smtClean="0"/>
+              <a:t>In wireless systems, fading is due to multipath </a:t>
+            </a:r>
+            <a:r>
+              <a:rPr lang="en-US" dirty="0" smtClean="0"/>
+              <a:t>propagation.</a:t>
+            </a:r>
+            <a:endParaRPr lang="en-US" dirty="0"/>
+          </a:p>
+        </p:txBody>
+      </p:sp>
+      <p:pic>
+        <p:nvPicPr>
+          <p:cNvPr id="1026" name="Picture 2" descr="C:\Documents and Settings\Tony\Desktop\multipt.gif"/>
+          <p:cNvPicPr>
+            <a:picLocks noChangeAspect="1" noChangeArrowheads="1"/>
+          </p:cNvPicPr>
+          <p:nvPr/>
+        </p:nvPicPr>
+        <p:blipFill>
+          <a:blip r:embed="rId3"/>
+          <a:srcRect/>
+          <a:stretch>
+            <a:fillRect/>
+          </a:stretch>
+        </p:blipFill>
+        <p:spPr bwMode="auto">
+          <a:xfrm>
+            <a:off x="2857500" y="3351213"/>
+            <a:ext cx="2828925" cy="1152525"/>
+          </a:xfrm>
+          <a:prstGeom prst="rect">
+            <a:avLst/>
+          </a:prstGeom>
+          <a:noFill/>
+        </p:spPr>
+      </p:pic>
+    </p:spTree>
+  </p:cSld>
+  <p:clrMapOvr>
+    <a:masterClrMapping/>
+  </p:clrMapOvr>
+  <p:timing>
+    <p:tnLst>
+      <p:par>
+        <p:cTn id="1" dur="indefinite" restart="never" nodeType="tmRoot"/>
+      </p:par>
+    </p:tnLst>
+  </p:timing>
 </p:sld>
 </file>
 

--- a/trunk/Fading.pptx
+++ b/trunk/Fading.pptx
@@ -5,13 +5,14 @@
     <p:sldMasterId id="2147483648" r:id="rId1"/>
   </p:sldMasterIdLst>
   <p:notesMasterIdLst>
-    <p:notesMasterId r:id="rId6"/>
+    <p:notesMasterId r:id="rId7"/>
   </p:notesMasterIdLst>
   <p:sldIdLst>
     <p:sldId id="256" r:id="rId2"/>
     <p:sldId id="257" r:id="rId3"/>
     <p:sldId id="258" r:id="rId4"/>
     <p:sldId id="259" r:id="rId5"/>
+    <p:sldId id="260" r:id="rId6"/>
   </p:sldIdLst>
   <p:sldSz cx="9144000" cy="6858000" type="screen4x3"/>
   <p:notesSz cx="6858000" cy="9144000"/>
@@ -617,10 +618,12 @@
           </a:p>
           <a:p>
             <a:r>
-              <a:rPr lang="en-US" smtClean="0"/>
-              <a:t>In wireless communications, signal fading is caused by multi-path effect.</a:t>
-            </a:r>
-            <a:endParaRPr lang="en-US"/>
+              <a:rPr lang="en-US" dirty="0" smtClean="0"/>
+              <a:t>In wireless communications, signal fading is caused by multi-path effect. Multi-path effect means that a signal transmitted from a transmitter may have multiple copies traversing different paths to reach a receiver. Thus, at the receiver, the received signal should be the sum of all these multi-path signals. Because the paths traversed by these signals are different; some are longer and some are shorter. The one at the direction of light of signal (LOS) should be the shortest. These signals interact with each other. If signals are in phase, they would intensify the resultant signal; otherwise, the resultant signal is weakened due to out of phase. This phenomenon is called channel fading. In general, there are two criteria to measure channel fading, including (1) Doppler spread, and (2) delay spread. </a:t>
+            </a:r>
+          </a:p>
+          <a:p>
+            <a:endParaRPr lang="en-US" dirty="0"/>
           </a:p>
         </p:txBody>
       </p:sp>
@@ -643,6 +646,119 @@
               <a:rPr lang="en-US" smtClean="0"/>
               <a:pPr/>
               <a:t>4</a:t>
+            </a:fld>
+            <a:endParaRPr lang="en-US"/>
+          </a:p>
+        </p:txBody>
+      </p:sp>
+    </p:spTree>
+  </p:cSld>
+  <p:clrMapOvr>
+    <a:masterClrMapping/>
+  </p:clrMapOvr>
+</p:notes>
+</file>
+
+<file path=ppt/notesSlides/notesSlide3.xml><?xml version="1.0" encoding="utf-8"?>
+<p:notes xmlns:a="http://schemas.openxmlformats.org/drawingml/2006/main" xmlns:r="http://schemas.openxmlformats.org/officeDocument/2006/relationships" xmlns:p="http://schemas.openxmlformats.org/presentationml/2006/main">
+  <p:cSld>
+    <p:spTree>
+      <p:nvGrpSpPr>
+        <p:cNvPr id="1" name=""/>
+        <p:cNvGrpSpPr/>
+        <p:nvPr/>
+      </p:nvGrpSpPr>
+      <p:grpSpPr>
+        <a:xfrm>
+          <a:off x="0" y="0"/>
+          <a:ext cx="0" cy="0"/>
+          <a:chOff x="0" y="0"/>
+          <a:chExt cx="0" cy="0"/>
+        </a:xfrm>
+      </p:grpSpPr>
+      <p:sp>
+        <p:nvSpPr>
+          <p:cNvPr id="2" name="Slide Image Placeholder 1"/>
+          <p:cNvSpPr>
+            <a:spLocks noGrp="1" noRot="1" noChangeAspect="1"/>
+          </p:cNvSpPr>
+          <p:nvPr>
+            <p:ph type="sldImg"/>
+          </p:nvPr>
+        </p:nvSpPr>
+        <p:spPr/>
+      </p:sp>
+      <p:sp>
+        <p:nvSpPr>
+          <p:cNvPr id="3" name="Notes Placeholder 2"/>
+          <p:cNvSpPr>
+            <a:spLocks noGrp="1"/>
+          </p:cNvSpPr>
+          <p:nvPr>
+            <p:ph type="body" idx="1"/>
+          </p:nvPr>
+        </p:nvSpPr>
+        <p:spPr/>
+        <p:txBody>
+          <a:bodyPr>
+            <a:normAutofit/>
+          </a:bodyPr>
+          <a:lstStyle/>
+          <a:p>
+            <a:pPr marL="0" marR="0" indent="0" algn="l" defTabSz="914400" rtl="0" eaLnBrk="1" fontAlgn="auto" latinLnBrk="0" hangingPunct="1">
+              <a:lnSpc>
+                <a:spcPct val="100000"/>
+              </a:lnSpc>
+              <a:spcBef>
+                <a:spcPts val="0"/>
+              </a:spcBef>
+              <a:spcAft>
+                <a:spcPts val="0"/>
+              </a:spcAft>
+              <a:buClrTx/>
+              <a:buSzTx/>
+              <a:buFontTx/>
+              <a:buNone/>
+              <a:tabLst/>
+              <a:defRPr/>
+            </a:pPr>
+            <a:r>
+              <a:rPr lang="en-US" dirty="0" smtClean="0"/>
+              <a:t>In wireless telecommunications, multipath is the propagation phenomenon that results in radio signals' reaching the receiving antenna by two or more paths. Causes of multipath include atmospheric ducting, </a:t>
+            </a:r>
+            <a:r>
+              <a:rPr lang="en-US" dirty="0" err="1" smtClean="0"/>
+              <a:t>ionospheric</a:t>
+            </a:r>
+            <a:r>
+              <a:rPr lang="en-US" dirty="0" smtClean="0"/>
+              <a:t> reflection and refraction, and reflection from terrestrial objects, such as mountains and buildings.</a:t>
+            </a:r>
+          </a:p>
+          <a:p>
+            <a:endParaRPr lang="en-US" dirty="0"/>
+          </a:p>
+        </p:txBody>
+      </p:sp>
+      <p:sp>
+        <p:nvSpPr>
+          <p:cNvPr id="4" name="Slide Number Placeholder 3"/>
+          <p:cNvSpPr>
+            <a:spLocks noGrp="1"/>
+          </p:cNvSpPr>
+          <p:nvPr>
+            <p:ph type="sldNum" sz="quarter" idx="10"/>
+          </p:nvPr>
+        </p:nvSpPr>
+        <p:spPr/>
+        <p:txBody>
+          <a:bodyPr/>
+          <a:lstStyle/>
+          <a:p>
+            <a:fld id="{27DEC26B-7605-459D-B7EC-FF3FFE0E89BD}" type="slidenum">
+              <a:rPr lang="en-US" smtClean="0"/>
+              <a:pPr/>
+              <a:t>5</a:t>
             </a:fld>
             <a:endParaRPr lang="en-US"/>
           </a:p>
@@ -3934,17 +4050,112 @@
         </p:nvSpPr>
         <p:spPr/>
         <p:txBody>
-          <a:bodyPr/>
+          <a:bodyPr>
+            <a:normAutofit/>
+          </a:bodyPr>
           <a:lstStyle/>
           <a:p>
             <a:r>
               <a:rPr lang="en-US" dirty="0" smtClean="0"/>
-              <a:t>In wireless systems, fading is due to multipath </a:t>
+              <a:t>In wireless systems, fading is due to multipath propagation. </a:t>
+            </a:r>
+          </a:p>
+          <a:p>
+            <a:r>
+              <a:rPr lang="en-US" b="1" dirty="0" smtClean="0"/>
+              <a:t>Multipath</a:t>
             </a:r>
             <a:r>
               <a:rPr lang="en-US" dirty="0" smtClean="0"/>
-              <a:t>propagation.</a:t>
-            </a:r>
+              <a:t> is the propagation phenomenon that results in radio signals' reaching the receiving antenna by two or more paths.</a:t>
+            </a:r>
+          </a:p>
+        </p:txBody>
+      </p:sp>
+    </p:spTree>
+  </p:cSld>
+  <p:clrMapOvr>
+    <a:masterClrMapping/>
+  </p:clrMapOvr>
+  <p:timing>
+    <p:tnLst>
+      <p:par>
+        <p:cTn id="1" dur="indefinite" restart="never" nodeType="tmRoot"/>
+      </p:par>
+    </p:tnLst>
+  </p:timing>
+</p:sld>
+</file>
+
+<file path=ppt/slides/slide5.xml><?xml version="1.0" encoding="utf-8"?>
+<p:sld xmlns:a="http://schemas.openxmlformats.org/drawingml/2006/main" xmlns:r="http://schemas.openxmlformats.org/officeDocument/2006/relationships" xmlns:p="http://schemas.openxmlformats.org/presentationml/2006/main">
+  <p:cSld>
+    <p:spTree>
+      <p:nvGrpSpPr>
+        <p:cNvPr id="1" name=""/>
+        <p:cNvGrpSpPr/>
+        <p:nvPr/>
+      </p:nvGrpSpPr>
+      <p:grpSpPr>
+        <a:xfrm>
+          <a:off x="0" y="0"/>
+          <a:ext cx="0" cy="0"/>
+          <a:chOff x="0" y="0"/>
+          <a:chExt cx="0" cy="0"/>
+        </a:xfrm>
+      </p:grpSpPr>
+      <p:sp>
+        <p:nvSpPr>
+          <p:cNvPr id="2" name="Title 1"/>
+          <p:cNvSpPr>
+            <a:spLocks noGrp="1"/>
+          </p:cNvSpPr>
+          <p:nvPr>
+            <p:ph type="title"/>
+          </p:nvPr>
+        </p:nvSpPr>
+        <p:spPr/>
+        <p:txBody>
+          <a:bodyPr/>
+          <a:lstStyle/>
+          <a:p>
+            <a:r>
+              <a:rPr lang="en-GB" dirty="0" smtClean="0"/>
+              <a:t>Cause of Fading</a:t>
+            </a:r>
+            <a:endParaRPr lang="en-US" dirty="0"/>
+          </a:p>
+        </p:txBody>
+      </p:sp>
+      <p:sp>
+        <p:nvSpPr>
+          <p:cNvPr id="3" name="Content Placeholder 2"/>
+          <p:cNvSpPr>
+            <a:spLocks noGrp="1"/>
+          </p:cNvSpPr>
+          <p:nvPr>
+            <p:ph idx="1"/>
+          </p:nvPr>
+        </p:nvSpPr>
+        <p:spPr/>
+        <p:txBody>
+          <a:bodyPr/>
+          <a:lstStyle/>
+          <a:p>
+            <a:r>
+              <a:rPr lang="en-US" dirty="0" smtClean="0"/>
+              <a:t>Causes of multipath include atmospheric ducting, </a:t>
+            </a:r>
+            <a:r>
+              <a:rPr lang="en-US" dirty="0" err="1" smtClean="0"/>
+              <a:t>ionospheric</a:t>
+            </a:r>
+            <a:r>
+              <a:rPr lang="en-US" dirty="0" smtClean="0"/>
+              <a:t> reflection and refraction, and reflection from terrestrial objects, such as mountains and buildings.</a:t>
+            </a:r>
+          </a:p>
+          <a:p>
             <a:endParaRPr lang="en-US" dirty="0"/>
           </a:p>
         </p:txBody>
@@ -3966,7 +4177,7 @@
         </p:blipFill>
         <p:spPr bwMode="auto">
           <a:xfrm>
-            <a:off x="2857500" y="3351213"/>
+            <a:off x="3214678" y="4286256"/>
             <a:ext cx="2828925" cy="1152525"/>
           </a:xfrm>
           <a:prstGeom prst="rect">
@@ -3980,13 +4191,6 @@
   <p:clrMapOvr>
     <a:masterClrMapping/>
   </p:clrMapOvr>
-  <p:timing>
-    <p:tnLst>
-      <p:par>
-        <p:cTn id="1" dur="indefinite" restart="never" nodeType="tmRoot"/>
-      </p:par>
-    </p:tnLst>
-  </p:timing>
 </p:sld>
 </file>
 
